--- a/example26-27.pptx
+++ b/example26-27.pptx
@@ -160,10 +160,9 @@
           </a:lstStyle>
           <a:p>
             <a:r>
-              <a:rPr lang="en-US" smtClean="0"/>
+              <a:rPr lang="en-US"/>
               <a:t>Click to edit Master title style</a:t>
             </a:r>
-            <a:endParaRPr lang="en-US"/>
           </a:p>
         </p:txBody>
       </p:sp>
@@ -225,10 +224,9 @@
           </a:lstStyle>
           <a:p>
             <a:r>
-              <a:rPr lang="en-US" smtClean="0"/>
+              <a:rPr lang="en-US"/>
               <a:t>Click to edit Master subtitle style</a:t>
             </a:r>
-            <a:endParaRPr lang="en-US"/>
           </a:p>
         </p:txBody>
       </p:sp>
@@ -249,7 +247,7 @@
           <a:p>
             <a:fld id="{4B0BDED9-3D2D-4050-B0A9-313A18E49E0A}" type="datetimeFigureOut">
               <a:rPr lang="en-US" smtClean="0"/>
-              <a:t>5/6/2021</a:t>
+              <a:t>5/8/2021</a:t>
             </a:fld>
             <a:endParaRPr lang="en-US"/>
           </a:p>
@@ -343,10 +341,9 @@
           <a:lstStyle/>
           <a:p>
             <a:r>
-              <a:rPr lang="en-US" smtClean="0"/>
+              <a:rPr lang="en-US"/>
               <a:t>Click to edit Master title style</a:t>
             </a:r>
-            <a:endParaRPr lang="en-US"/>
           </a:p>
         </p:txBody>
       </p:sp>
@@ -367,38 +364,37 @@
           <a:p>
             <a:pPr lvl="0"/>
             <a:r>
-              <a:rPr lang="en-US" smtClean="0"/>
+              <a:rPr lang="en-US"/>
               <a:t>Edit Master text styles</a:t>
             </a:r>
           </a:p>
           <a:p>
             <a:pPr lvl="1"/>
             <a:r>
-              <a:rPr lang="en-US" smtClean="0"/>
+              <a:rPr lang="en-US"/>
               <a:t>Second level</a:t>
             </a:r>
           </a:p>
           <a:p>
             <a:pPr lvl="2"/>
             <a:r>
-              <a:rPr lang="en-US" smtClean="0"/>
+              <a:rPr lang="en-US"/>
               <a:t>Third level</a:t>
             </a:r>
           </a:p>
           <a:p>
             <a:pPr lvl="3"/>
             <a:r>
-              <a:rPr lang="en-US" smtClean="0"/>
+              <a:rPr lang="en-US"/>
               <a:t>Fourth level</a:t>
             </a:r>
           </a:p>
           <a:p>
             <a:pPr lvl="4"/>
             <a:r>
-              <a:rPr lang="en-US" smtClean="0"/>
+              <a:rPr lang="en-US"/>
               <a:t>Fifth level</a:t>
             </a:r>
-            <a:endParaRPr lang="en-US"/>
           </a:p>
         </p:txBody>
       </p:sp>
@@ -419,7 +415,7 @@
           <a:p>
             <a:fld id="{4B0BDED9-3D2D-4050-B0A9-313A18E49E0A}" type="datetimeFigureOut">
               <a:rPr lang="en-US" smtClean="0"/>
-              <a:t>5/6/2021</a:t>
+              <a:t>5/8/2021</a:t>
             </a:fld>
             <a:endParaRPr lang="en-US"/>
           </a:p>
@@ -518,10 +514,9 @@
           <a:lstStyle/>
           <a:p>
             <a:r>
-              <a:rPr lang="en-US" smtClean="0"/>
+              <a:rPr lang="en-US"/>
               <a:t>Click to edit Master title style</a:t>
             </a:r>
-            <a:endParaRPr lang="en-US"/>
           </a:p>
         </p:txBody>
       </p:sp>
@@ -547,38 +542,37 @@
           <a:p>
             <a:pPr lvl="0"/>
             <a:r>
-              <a:rPr lang="en-US" smtClean="0"/>
+              <a:rPr lang="en-US"/>
               <a:t>Edit Master text styles</a:t>
             </a:r>
           </a:p>
           <a:p>
             <a:pPr lvl="1"/>
             <a:r>
-              <a:rPr lang="en-US" smtClean="0"/>
+              <a:rPr lang="en-US"/>
               <a:t>Second level</a:t>
             </a:r>
           </a:p>
           <a:p>
             <a:pPr lvl="2"/>
             <a:r>
-              <a:rPr lang="en-US" smtClean="0"/>
+              <a:rPr lang="en-US"/>
               <a:t>Third level</a:t>
             </a:r>
           </a:p>
           <a:p>
             <a:pPr lvl="3"/>
             <a:r>
-              <a:rPr lang="en-US" smtClean="0"/>
+              <a:rPr lang="en-US"/>
               <a:t>Fourth level</a:t>
             </a:r>
           </a:p>
           <a:p>
             <a:pPr lvl="4"/>
             <a:r>
-              <a:rPr lang="en-US" smtClean="0"/>
+              <a:rPr lang="en-US"/>
               <a:t>Fifth level</a:t>
             </a:r>
-            <a:endParaRPr lang="en-US"/>
           </a:p>
         </p:txBody>
       </p:sp>
@@ -599,7 +593,7 @@
           <a:p>
             <a:fld id="{4B0BDED9-3D2D-4050-B0A9-313A18E49E0A}" type="datetimeFigureOut">
               <a:rPr lang="en-US" smtClean="0"/>
-              <a:t>5/6/2021</a:t>
+              <a:t>5/8/2021</a:t>
             </a:fld>
             <a:endParaRPr lang="en-US"/>
           </a:p>
@@ -693,10 +687,9 @@
           <a:lstStyle/>
           <a:p>
             <a:r>
-              <a:rPr lang="en-US" smtClean="0"/>
+              <a:rPr lang="en-US"/>
               <a:t>Click to edit Master title style</a:t>
             </a:r>
-            <a:endParaRPr lang="en-US"/>
           </a:p>
         </p:txBody>
       </p:sp>
@@ -717,38 +710,37 @@
           <a:p>
             <a:pPr lvl="0"/>
             <a:r>
-              <a:rPr lang="en-US" smtClean="0"/>
+              <a:rPr lang="en-US"/>
               <a:t>Edit Master text styles</a:t>
             </a:r>
           </a:p>
           <a:p>
             <a:pPr lvl="1"/>
             <a:r>
-              <a:rPr lang="en-US" smtClean="0"/>
+              <a:rPr lang="en-US"/>
               <a:t>Second level</a:t>
             </a:r>
           </a:p>
           <a:p>
             <a:pPr lvl="2"/>
             <a:r>
-              <a:rPr lang="en-US" smtClean="0"/>
+              <a:rPr lang="en-US"/>
               <a:t>Third level</a:t>
             </a:r>
           </a:p>
           <a:p>
             <a:pPr lvl="3"/>
             <a:r>
-              <a:rPr lang="en-US" smtClean="0"/>
+              <a:rPr lang="en-US"/>
               <a:t>Fourth level</a:t>
             </a:r>
           </a:p>
           <a:p>
             <a:pPr lvl="4"/>
             <a:r>
-              <a:rPr lang="en-US" smtClean="0"/>
+              <a:rPr lang="en-US"/>
               <a:t>Fifth level</a:t>
             </a:r>
-            <a:endParaRPr lang="en-US"/>
           </a:p>
         </p:txBody>
       </p:sp>
@@ -769,7 +761,7 @@
           <a:p>
             <a:fld id="{4B0BDED9-3D2D-4050-B0A9-313A18E49E0A}" type="datetimeFigureOut">
               <a:rPr lang="en-US" smtClean="0"/>
-              <a:t>5/6/2021</a:t>
+              <a:t>5/8/2021</a:t>
             </a:fld>
             <a:endParaRPr lang="en-US"/>
           </a:p>
@@ -872,10 +864,9 @@
           </a:lstStyle>
           <a:p>
             <a:r>
-              <a:rPr lang="en-US" smtClean="0"/>
+              <a:rPr lang="en-US"/>
               <a:t>Click to edit Master title style</a:t>
             </a:r>
-            <a:endParaRPr lang="en-US"/>
           </a:p>
         </p:txBody>
       </p:sp>
@@ -992,7 +983,7 @@
           <a:p>
             <a:pPr lvl="0"/>
             <a:r>
-              <a:rPr lang="en-US" smtClean="0"/>
+              <a:rPr lang="en-US"/>
               <a:t>Edit Master text styles</a:t>
             </a:r>
           </a:p>
@@ -1015,7 +1006,7 @@
           <a:p>
             <a:fld id="{4B0BDED9-3D2D-4050-B0A9-313A18E49E0A}" type="datetimeFigureOut">
               <a:rPr lang="en-US" smtClean="0"/>
-              <a:t>5/6/2021</a:t>
+              <a:t>5/8/2021</a:t>
             </a:fld>
             <a:endParaRPr lang="en-US"/>
           </a:p>
@@ -1109,10 +1100,9 @@
           <a:lstStyle/>
           <a:p>
             <a:r>
-              <a:rPr lang="en-US" smtClean="0"/>
+              <a:rPr lang="en-US"/>
               <a:t>Click to edit Master title style</a:t>
             </a:r>
-            <a:endParaRPr lang="en-US"/>
           </a:p>
         </p:txBody>
       </p:sp>
@@ -1138,38 +1128,37 @@
           <a:p>
             <a:pPr lvl="0"/>
             <a:r>
-              <a:rPr lang="en-US" smtClean="0"/>
+              <a:rPr lang="en-US"/>
               <a:t>Edit Master text styles</a:t>
             </a:r>
           </a:p>
           <a:p>
             <a:pPr lvl="1"/>
             <a:r>
-              <a:rPr lang="en-US" smtClean="0"/>
+              <a:rPr lang="en-US"/>
               <a:t>Second level</a:t>
             </a:r>
           </a:p>
           <a:p>
             <a:pPr lvl="2"/>
             <a:r>
-              <a:rPr lang="en-US" smtClean="0"/>
+              <a:rPr lang="en-US"/>
               <a:t>Third level</a:t>
             </a:r>
           </a:p>
           <a:p>
             <a:pPr lvl="3"/>
             <a:r>
-              <a:rPr lang="en-US" smtClean="0"/>
+              <a:rPr lang="en-US"/>
               <a:t>Fourth level</a:t>
             </a:r>
           </a:p>
           <a:p>
             <a:pPr lvl="4"/>
             <a:r>
-              <a:rPr lang="en-US" smtClean="0"/>
+              <a:rPr lang="en-US"/>
               <a:t>Fifth level</a:t>
             </a:r>
-            <a:endParaRPr lang="en-US"/>
           </a:p>
         </p:txBody>
       </p:sp>
@@ -1195,38 +1184,37 @@
           <a:p>
             <a:pPr lvl="0"/>
             <a:r>
-              <a:rPr lang="en-US" smtClean="0"/>
+              <a:rPr lang="en-US"/>
               <a:t>Edit Master text styles</a:t>
             </a:r>
           </a:p>
           <a:p>
             <a:pPr lvl="1"/>
             <a:r>
-              <a:rPr lang="en-US" smtClean="0"/>
+              <a:rPr lang="en-US"/>
               <a:t>Second level</a:t>
             </a:r>
           </a:p>
           <a:p>
             <a:pPr lvl="2"/>
             <a:r>
-              <a:rPr lang="en-US" smtClean="0"/>
+              <a:rPr lang="en-US"/>
               <a:t>Third level</a:t>
             </a:r>
           </a:p>
           <a:p>
             <a:pPr lvl="3"/>
             <a:r>
-              <a:rPr lang="en-US" smtClean="0"/>
+              <a:rPr lang="en-US"/>
               <a:t>Fourth level</a:t>
             </a:r>
           </a:p>
           <a:p>
             <a:pPr lvl="4"/>
             <a:r>
-              <a:rPr lang="en-US" smtClean="0"/>
+              <a:rPr lang="en-US"/>
               <a:t>Fifth level</a:t>
             </a:r>
-            <a:endParaRPr lang="en-US"/>
           </a:p>
         </p:txBody>
       </p:sp>
@@ -1247,7 +1235,7 @@
           <a:p>
             <a:fld id="{4B0BDED9-3D2D-4050-B0A9-313A18E49E0A}" type="datetimeFigureOut">
               <a:rPr lang="en-US" smtClean="0"/>
-              <a:t>5/6/2021</a:t>
+              <a:t>5/8/2021</a:t>
             </a:fld>
             <a:endParaRPr lang="en-US"/>
           </a:p>
@@ -1346,10 +1334,9 @@
           <a:lstStyle/>
           <a:p>
             <a:r>
-              <a:rPr lang="en-US" smtClean="0"/>
+              <a:rPr lang="en-US"/>
               <a:t>Click to edit Master title style</a:t>
             </a:r>
-            <a:endParaRPr lang="en-US"/>
           </a:p>
         </p:txBody>
       </p:sp>
@@ -1412,7 +1399,7 @@
           <a:p>
             <a:pPr lvl="0"/>
             <a:r>
-              <a:rPr lang="en-US" smtClean="0"/>
+              <a:rPr lang="en-US"/>
               <a:t>Edit Master text styles</a:t>
             </a:r>
           </a:p>
@@ -1440,38 +1427,37 @@
           <a:p>
             <a:pPr lvl="0"/>
             <a:r>
-              <a:rPr lang="en-US" smtClean="0"/>
+              <a:rPr lang="en-US"/>
               <a:t>Edit Master text styles</a:t>
             </a:r>
           </a:p>
           <a:p>
             <a:pPr lvl="1"/>
             <a:r>
-              <a:rPr lang="en-US" smtClean="0"/>
+              <a:rPr lang="en-US"/>
               <a:t>Second level</a:t>
             </a:r>
           </a:p>
           <a:p>
             <a:pPr lvl="2"/>
             <a:r>
-              <a:rPr lang="en-US" smtClean="0"/>
+              <a:rPr lang="en-US"/>
               <a:t>Third level</a:t>
             </a:r>
           </a:p>
           <a:p>
             <a:pPr lvl="3"/>
             <a:r>
-              <a:rPr lang="en-US" smtClean="0"/>
+              <a:rPr lang="en-US"/>
               <a:t>Fourth level</a:t>
             </a:r>
           </a:p>
           <a:p>
             <a:pPr lvl="4"/>
             <a:r>
-              <a:rPr lang="en-US" smtClean="0"/>
+              <a:rPr lang="en-US"/>
               <a:t>Fifth level</a:t>
             </a:r>
-            <a:endParaRPr lang="en-US"/>
           </a:p>
         </p:txBody>
       </p:sp>
@@ -1534,7 +1520,7 @@
           <a:p>
             <a:pPr lvl="0"/>
             <a:r>
-              <a:rPr lang="en-US" smtClean="0"/>
+              <a:rPr lang="en-US"/>
               <a:t>Edit Master text styles</a:t>
             </a:r>
           </a:p>
@@ -1562,38 +1548,37 @@
           <a:p>
             <a:pPr lvl="0"/>
             <a:r>
-              <a:rPr lang="en-US" smtClean="0"/>
+              <a:rPr lang="en-US"/>
               <a:t>Edit Master text styles</a:t>
             </a:r>
           </a:p>
           <a:p>
             <a:pPr lvl="1"/>
             <a:r>
-              <a:rPr lang="en-US" smtClean="0"/>
+              <a:rPr lang="en-US"/>
               <a:t>Second level</a:t>
             </a:r>
           </a:p>
           <a:p>
             <a:pPr lvl="2"/>
             <a:r>
-              <a:rPr lang="en-US" smtClean="0"/>
+              <a:rPr lang="en-US"/>
               <a:t>Third level</a:t>
             </a:r>
           </a:p>
           <a:p>
             <a:pPr lvl="3"/>
             <a:r>
-              <a:rPr lang="en-US" smtClean="0"/>
+              <a:rPr lang="en-US"/>
               <a:t>Fourth level</a:t>
             </a:r>
           </a:p>
           <a:p>
             <a:pPr lvl="4"/>
             <a:r>
-              <a:rPr lang="en-US" smtClean="0"/>
+              <a:rPr lang="en-US"/>
               <a:t>Fifth level</a:t>
             </a:r>
-            <a:endParaRPr lang="en-US"/>
           </a:p>
         </p:txBody>
       </p:sp>
@@ -1614,7 +1599,7 @@
           <a:p>
             <a:fld id="{4B0BDED9-3D2D-4050-B0A9-313A18E49E0A}" type="datetimeFigureOut">
               <a:rPr lang="en-US" smtClean="0"/>
-              <a:t>5/6/2021</a:t>
+              <a:t>5/8/2021</a:t>
             </a:fld>
             <a:endParaRPr lang="en-US"/>
           </a:p>
@@ -1708,10 +1693,9 @@
           <a:lstStyle/>
           <a:p>
             <a:r>
-              <a:rPr lang="en-US" smtClean="0"/>
+              <a:rPr lang="en-US"/>
               <a:t>Click to edit Master title style</a:t>
             </a:r>
-            <a:endParaRPr lang="en-US"/>
           </a:p>
         </p:txBody>
       </p:sp>
@@ -1732,7 +1716,7 @@
           <a:p>
             <a:fld id="{4B0BDED9-3D2D-4050-B0A9-313A18E49E0A}" type="datetimeFigureOut">
               <a:rPr lang="en-US" smtClean="0"/>
-              <a:t>5/6/2021</a:t>
+              <a:t>5/8/2021</a:t>
             </a:fld>
             <a:endParaRPr lang="en-US"/>
           </a:p>
@@ -1827,7 +1811,7 @@
           <a:p>
             <a:fld id="{4B0BDED9-3D2D-4050-B0A9-313A18E49E0A}" type="datetimeFigureOut">
               <a:rPr lang="en-US" smtClean="0"/>
-              <a:t>5/6/2021</a:t>
+              <a:t>5/8/2021</a:t>
             </a:fld>
             <a:endParaRPr lang="en-US"/>
           </a:p>
@@ -1930,10 +1914,9 @@
           </a:lstStyle>
           <a:p>
             <a:r>
-              <a:rPr lang="en-US" smtClean="0"/>
+              <a:rPr lang="en-US"/>
               <a:t>Click to edit Master title style</a:t>
             </a:r>
-            <a:endParaRPr lang="en-US"/>
           </a:p>
         </p:txBody>
       </p:sp>
@@ -1987,38 +1970,37 @@
           <a:p>
             <a:pPr lvl="0"/>
             <a:r>
-              <a:rPr lang="en-US" smtClean="0"/>
+              <a:rPr lang="en-US"/>
               <a:t>Edit Master text styles</a:t>
             </a:r>
           </a:p>
           <a:p>
             <a:pPr lvl="1"/>
             <a:r>
-              <a:rPr lang="en-US" smtClean="0"/>
+              <a:rPr lang="en-US"/>
               <a:t>Second level</a:t>
             </a:r>
           </a:p>
           <a:p>
             <a:pPr lvl="2"/>
             <a:r>
-              <a:rPr lang="en-US" smtClean="0"/>
+              <a:rPr lang="en-US"/>
               <a:t>Third level</a:t>
             </a:r>
           </a:p>
           <a:p>
             <a:pPr lvl="3"/>
             <a:r>
-              <a:rPr lang="en-US" smtClean="0"/>
+              <a:rPr lang="en-US"/>
               <a:t>Fourth level</a:t>
             </a:r>
           </a:p>
           <a:p>
             <a:pPr lvl="4"/>
             <a:r>
-              <a:rPr lang="en-US" smtClean="0"/>
+              <a:rPr lang="en-US"/>
               <a:t>Fifth level</a:t>
             </a:r>
-            <a:endParaRPr lang="en-US"/>
           </a:p>
         </p:txBody>
       </p:sp>
@@ -2081,7 +2063,7 @@
           <a:p>
             <a:pPr lvl="0"/>
             <a:r>
-              <a:rPr lang="en-US" smtClean="0"/>
+              <a:rPr lang="en-US"/>
               <a:t>Edit Master text styles</a:t>
             </a:r>
           </a:p>
@@ -2104,7 +2086,7 @@
           <a:p>
             <a:fld id="{4B0BDED9-3D2D-4050-B0A9-313A18E49E0A}" type="datetimeFigureOut">
               <a:rPr lang="en-US" smtClean="0"/>
-              <a:t>5/6/2021</a:t>
+              <a:t>5/8/2021</a:t>
             </a:fld>
             <a:endParaRPr lang="en-US"/>
           </a:p>
@@ -2207,10 +2189,9 @@
           </a:lstStyle>
           <a:p>
             <a:r>
-              <a:rPr lang="en-US" smtClean="0"/>
+              <a:rPr lang="en-US"/>
               <a:t>Click to edit Master title style</a:t>
             </a:r>
-            <a:endParaRPr lang="en-US"/>
           </a:p>
         </p:txBody>
       </p:sp>
@@ -2334,7 +2315,7 @@
           <a:p>
             <a:pPr lvl="0"/>
             <a:r>
-              <a:rPr lang="en-US" smtClean="0"/>
+              <a:rPr lang="en-US"/>
               <a:t>Edit Master text styles</a:t>
             </a:r>
           </a:p>
@@ -2357,7 +2338,7 @@
           <a:p>
             <a:fld id="{4B0BDED9-3D2D-4050-B0A9-313A18E49E0A}" type="datetimeFigureOut">
               <a:rPr lang="en-US" smtClean="0"/>
-              <a:t>5/6/2021</a:t>
+              <a:t>5/8/2021</a:t>
             </a:fld>
             <a:endParaRPr lang="en-US"/>
           </a:p>
@@ -2466,10 +2447,9 @@
           <a:lstStyle/>
           <a:p>
             <a:r>
-              <a:rPr lang="en-US" smtClean="0"/>
+              <a:rPr lang="en-US"/>
               <a:t>Click to edit Master title style</a:t>
             </a:r>
-            <a:endParaRPr lang="en-US"/>
           </a:p>
         </p:txBody>
       </p:sp>
@@ -2500,38 +2480,37 @@
           <a:p>
             <a:pPr lvl="0"/>
             <a:r>
-              <a:rPr lang="en-US" smtClean="0"/>
+              <a:rPr lang="en-US"/>
               <a:t>Edit Master text styles</a:t>
             </a:r>
           </a:p>
           <a:p>
             <a:pPr lvl="1"/>
             <a:r>
-              <a:rPr lang="en-US" smtClean="0"/>
+              <a:rPr lang="en-US"/>
               <a:t>Second level</a:t>
             </a:r>
           </a:p>
           <a:p>
             <a:pPr lvl="2"/>
             <a:r>
-              <a:rPr lang="en-US" smtClean="0"/>
+              <a:rPr lang="en-US"/>
               <a:t>Third level</a:t>
             </a:r>
           </a:p>
           <a:p>
             <a:pPr lvl="3"/>
             <a:r>
-              <a:rPr lang="en-US" smtClean="0"/>
+              <a:rPr lang="en-US"/>
               <a:t>Fourth level</a:t>
             </a:r>
           </a:p>
           <a:p>
             <a:pPr lvl="4"/>
             <a:r>
-              <a:rPr lang="en-US" smtClean="0"/>
+              <a:rPr lang="en-US"/>
               <a:t>Fifth level</a:t>
             </a:r>
-            <a:endParaRPr lang="en-US"/>
           </a:p>
         </p:txBody>
       </p:sp>
@@ -2570,7 +2549,7 @@
           <a:p>
             <a:fld id="{4B0BDED9-3D2D-4050-B0A9-313A18E49E0A}" type="datetimeFigureOut">
               <a:rPr lang="en-US" smtClean="0"/>
-              <a:t>5/6/2021</a:t>
+              <a:t>5/8/2021</a:t>
             </a:fld>
             <a:endParaRPr lang="en-US"/>
           </a:p>
@@ -2991,65 +2970,8 @@
           <a:lstStyle/>
           <a:p>
             <a:r>
-              <a:rPr lang="ru-RU" dirty="0" smtClean="0"/>
+              <a:rPr lang="ru-RU" dirty="0"/>
               <a:t>Жизненный цикл </a:t>
-            </a:r>
-            <a:r>
-              <a:rPr lang="ru-RU" dirty="0" err="1" smtClean="0"/>
-              <a:t>бина</a:t>
-            </a:r>
-            <a:r>
-              <a:rPr lang="ru-RU" dirty="0" smtClean="0"/>
-              <a:t>. </a:t>
-            </a:r>
-            <a:endParaRPr lang="en-US" dirty="0"/>
-          </a:p>
-        </p:txBody>
-      </p:sp>
-      <p:sp>
-        <p:nvSpPr>
-          <p:cNvPr id="3" name="Content Placeholder 2"/>
-          <p:cNvSpPr>
-            <a:spLocks noGrp="1"/>
-          </p:cNvSpPr>
-          <p:nvPr>
-            <p:ph idx="1"/>
-          </p:nvPr>
-        </p:nvSpPr>
-        <p:spPr/>
-        <p:txBody>
-          <a:bodyPr/>
-          <a:lstStyle/>
-          <a:p>
-            <a:r>
-              <a:rPr lang="ru-RU" dirty="0" smtClean="0"/>
-              <a:t>В </a:t>
-            </a:r>
-            <a:r>
-              <a:rPr lang="ru-RU" dirty="0" err="1" smtClean="0"/>
-              <a:t>Spring</a:t>
-            </a:r>
-            <a:r>
-              <a:rPr lang="ru-RU" dirty="0" smtClean="0"/>
-              <a:t> есть возможность выполнять код после внедрения всех зависимостей в бин и перед уничтожением </a:t>
-            </a:r>
-            <a:r>
-              <a:rPr lang="ru-RU" dirty="0" err="1" smtClean="0"/>
-              <a:t>бина</a:t>
-            </a:r>
-            <a:r>
-              <a:rPr lang="ru-RU" dirty="0" smtClean="0"/>
-              <a:t>.</a:t>
-            </a:r>
-          </a:p>
-          <a:p>
-            <a:r>
-              <a:rPr lang="ru-RU" dirty="0" smtClean="0"/>
-              <a:t>Для специализированного метода инициализации гарантируется, </a:t>
-            </a:r>
-            <a:r>
-              <a:rPr lang="ru-RU" dirty="0"/>
-              <a:t>что он будет вызван после того, как все зависимости </a:t>
             </a:r>
             <a:r>
               <a:rPr lang="ru-RU" dirty="0" err="1"/>
@@ -3057,9 +2979,61 @@
             </a:r>
             <a:r>
               <a:rPr lang="ru-RU" dirty="0"/>
+              <a:t>. </a:t>
+            </a:r>
+            <a:endParaRPr lang="en-US" dirty="0"/>
+          </a:p>
+        </p:txBody>
+      </p:sp>
+      <p:sp>
+        <p:nvSpPr>
+          <p:cNvPr id="3" name="Content Placeholder 2"/>
+          <p:cNvSpPr>
+            <a:spLocks noGrp="1"/>
+          </p:cNvSpPr>
+          <p:nvPr>
+            <p:ph idx="1"/>
+          </p:nvPr>
+        </p:nvSpPr>
+        <p:spPr/>
+        <p:txBody>
+          <a:bodyPr/>
+          <a:lstStyle/>
+          <a:p>
+            <a:r>
+              <a:rPr lang="ru-RU" dirty="0"/>
+              <a:t>В </a:t>
+            </a:r>
+            <a:r>
+              <a:rPr lang="ru-RU" dirty="0" err="1"/>
+              <a:t>Spring</a:t>
+            </a:r>
+            <a:r>
+              <a:rPr lang="ru-RU" dirty="0"/>
+              <a:t> есть возможность выполнять код после внедрения всех зависимостей в бин и перед уничтожением </a:t>
+            </a:r>
+            <a:r>
+              <a:rPr lang="ru-RU" dirty="0" err="1"/>
+              <a:t>бина</a:t>
+            </a:r>
+            <a:r>
+              <a:rPr lang="ru-RU" dirty="0"/>
+              <a:t>.</a:t>
+            </a:r>
+          </a:p>
+          <a:p>
+            <a:r>
+              <a:rPr lang="ru-RU" dirty="0"/>
+              <a:t>Для специализированного метода инициализации гарантируется, что он будет вызван после того, как все зависимости </a:t>
+            </a:r>
+            <a:r>
+              <a:rPr lang="ru-RU" dirty="0" err="1"/>
+              <a:t>бина</a:t>
+            </a:r>
+            <a:r>
+              <a:rPr lang="ru-RU" dirty="0"/>
               <a:t> готовы.</a:t>
             </a:r>
-            <a:endParaRPr lang="ru-RU" dirty="0" smtClean="0"/>
           </a:p>
           <a:p>
             <a:endParaRPr lang="en-US" dirty="0"/>
@@ -3120,7 +3094,6 @@
               <a:rPr lang="ru-RU" dirty="0"/>
               <a:t>Создать такой метод можно тремя способами:</a:t>
             </a:r>
-            <a:endParaRPr lang="ru-RU" dirty="0" smtClean="0"/>
           </a:p>
           <a:p>
             <a:r>
@@ -3147,7 +3120,6 @@
               <a:rPr lang="en-US" dirty="0"/>
               <a:t>();</a:t>
             </a:r>
-            <a:endParaRPr lang="en-US" dirty="0" smtClean="0"/>
           </a:p>
           <a:p>
             <a:r>
@@ -3162,7 +3134,6 @@
               <a:rPr lang="ru-RU" dirty="0"/>
               <a:t>:</a:t>
             </a:r>
-            <a:endParaRPr lang="ru-RU" dirty="0" smtClean="0"/>
           </a:p>
           <a:p>
             <a:pPr marL="0" indent="0">
@@ -3202,12 +3173,8 @@
               <a:buNone/>
             </a:pPr>
             <a:r>
-              <a:rPr lang="ru-RU" dirty="0" smtClean="0"/>
-              <a:t>Или </a:t>
-            </a:r>
-            <a:r>
-              <a:rPr lang="ru-RU" dirty="0"/>
-              <a:t>общий метод по умолчанию для всех </a:t>
+              <a:rPr lang="ru-RU" dirty="0"/>
+              <a:t>Или общий метод по умолчанию для всех </a:t>
             </a:r>
             <a:r>
               <a:rPr lang="ru-RU" dirty="0" err="1"/>
@@ -3217,7 +3184,6 @@
               <a:rPr lang="ru-RU" dirty="0"/>
               <a:t>  в контейнере </a:t>
             </a:r>
-            <a:endParaRPr lang="ru-RU" dirty="0" smtClean="0"/>
           </a:p>
           <a:p>
             <a:pPr marL="0" indent="0">
@@ -3250,12 +3216,8 @@
           </a:p>
           <a:p>
             <a:r>
-              <a:rPr lang="ru-RU" dirty="0" smtClean="0"/>
-              <a:t>С использованием аннотации </a:t>
-            </a:r>
-            <a:r>
-              <a:rPr lang="ru-RU" dirty="0"/>
-              <a:t> </a:t>
+              <a:rPr lang="ru-RU" dirty="0"/>
+              <a:t>С использованием аннотации  </a:t>
             </a:r>
             <a:r>
               <a:rPr lang="ru-RU" b="1" dirty="0"/>
@@ -3266,11 +3228,11 @@
               <a:t>PostConstruct</a:t>
             </a:r>
             <a:r>
-              <a:rPr lang="en-US" dirty="0" smtClean="0"/>
+              <a:rPr lang="en-US" dirty="0"/>
               <a:t> </a:t>
             </a:r>
             <a:r>
-              <a:rPr lang="ru-RU" dirty="0" smtClean="0"/>
+              <a:rPr lang="ru-RU" dirty="0"/>
               <a:t>к методу</a:t>
             </a:r>
           </a:p>
@@ -3333,12 +3295,8 @@
               <a:buNone/>
             </a:pPr>
             <a:r>
-              <a:rPr lang="ru-RU" dirty="0" smtClean="0"/>
-              <a:t>Аналогично для </a:t>
-            </a:r>
-            <a:r>
-              <a:rPr lang="ru-RU" dirty="0"/>
-              <a:t> выполнения кода перед уничтожением </a:t>
+              <a:rPr lang="ru-RU" dirty="0"/>
+              <a:t>Аналогично для  выполнения кода перед уничтожением </a:t>
             </a:r>
             <a:r>
               <a:rPr lang="ru-RU" dirty="0" err="1"/>
@@ -3348,7 +3306,6 @@
               <a:rPr lang="ru-RU" dirty="0"/>
               <a:t> существуют способы:</a:t>
             </a:r>
-            <a:endParaRPr lang="ru-RU" dirty="0" smtClean="0"/>
           </a:p>
           <a:p>
             <a:r>
@@ -3371,7 +3328,6 @@
               <a:rPr lang="ru-RU" dirty="0"/>
               <a:t>();</a:t>
             </a:r>
-            <a:endParaRPr lang="ru-RU" dirty="0" smtClean="0"/>
           </a:p>
           <a:p>
             <a:r>
@@ -3386,7 +3342,6 @@
               <a:rPr lang="ru-RU" dirty="0"/>
               <a:t>:</a:t>
             </a:r>
-            <a:endParaRPr lang="ru-RU" dirty="0" smtClean="0"/>
           </a:p>
           <a:p>
             <a:pPr marL="0" indent="0">
@@ -3453,7 +3408,6 @@
               <a:rPr lang="ru-RU" dirty="0"/>
               <a:t>  в контейнере </a:t>
             </a:r>
-            <a:endParaRPr lang="ru-RU" dirty="0" smtClean="0"/>
           </a:p>
           <a:p>
             <a:pPr marL="0" indent="0">
@@ -3477,11 +3431,11 @@
             </a:r>
             <a:r>
               <a:rPr lang="ru-RU" dirty="0"/>
-              <a:t>="</a:t>
-            </a:r>
-            <a:r>
-              <a:rPr lang="ru-RU" dirty="0" err="1"/>
-              <a:t>cleaup</a:t>
+              <a:t>=“</a:t>
+            </a:r>
+            <a:r>
+              <a:rPr lang="en-CA" dirty="0"/>
+              <a:t>destroy</a:t>
             </a:r>
             <a:r>
               <a:rPr lang="ru-RU" dirty="0"/>
@@ -3490,7 +3444,7 @@
           </a:p>
           <a:p>
             <a:r>
-              <a:rPr lang="ru-RU" dirty="0" smtClean="0"/>
+              <a:rPr lang="ru-RU" dirty="0"/>
               <a:t>С использованием аннотации  </a:t>
             </a:r>
             <a:r>
@@ -3501,7 +3455,7 @@
               <a:rPr lang="ru-RU" b="1" dirty="0" err="1"/>
               <a:t>PreDestroy</a:t>
             </a:r>
-            <a:endParaRPr lang="ru-RU" dirty="0" smtClean="0"/>
+            <a:endParaRPr lang="ru-RU" dirty="0"/>
           </a:p>
           <a:p>
             <a:endParaRPr lang="en-US" dirty="0"/>
@@ -3573,67 +3527,63 @@
               <a:rPr lang="ru-RU" dirty="0"/>
               <a:t>:</a:t>
             </a:r>
-            <a:endParaRPr lang="ru-RU" dirty="0" smtClean="0"/>
           </a:p>
           <a:p>
             <a:r>
               <a:rPr lang="ru-RU" dirty="0"/>
               <a:t>Аннотации</a:t>
             </a:r>
-            <a:endParaRPr lang="ru-RU" dirty="0" smtClean="0"/>
           </a:p>
           <a:p>
             <a:r>
               <a:rPr lang="ru-RU" dirty="0"/>
               <a:t>метода из интерфейсов</a:t>
             </a:r>
-            <a:endParaRPr lang="ru-RU" dirty="0" smtClean="0"/>
           </a:p>
           <a:p>
             <a:r>
               <a:rPr lang="ru-RU" dirty="0"/>
               <a:t>Установленный в XML пользовательский метод.</a:t>
             </a:r>
-            <a:endParaRPr lang="ru-RU" dirty="0" smtClean="0"/>
-          </a:p>
-          <a:p>
-            <a:endParaRPr lang="en-US" dirty="0" smtClean="0"/>
-          </a:p>
-          <a:p>
-            <a:r>
-              <a:rPr lang="ru-RU" dirty="0" smtClean="0"/>
+          </a:p>
+          <a:p>
+            <a:endParaRPr lang="en-US" dirty="0"/>
+          </a:p>
+          <a:p>
+            <a:r>
+              <a:rPr lang="ru-RU" dirty="0"/>
               <a:t>@</a:t>
             </a:r>
             <a:r>
-              <a:rPr lang="ru-RU" dirty="0" err="1" smtClean="0"/>
+              <a:rPr lang="ru-RU" dirty="0" err="1"/>
               <a:t>PostConstruct</a:t>
             </a:r>
             <a:r>
-              <a:rPr lang="ru-RU" dirty="0" smtClean="0"/>
+              <a:rPr lang="ru-RU" dirty="0"/>
               <a:t> и @</a:t>
             </a:r>
             <a:r>
-              <a:rPr lang="ru-RU" dirty="0" err="1" smtClean="0"/>
+              <a:rPr lang="ru-RU" dirty="0" err="1"/>
               <a:t>PreDestroy</a:t>
             </a:r>
             <a:r>
-              <a:rPr lang="ru-RU" dirty="0" smtClean="0"/>
+              <a:rPr lang="ru-RU" dirty="0"/>
               <a:t> были полностью удалены в </a:t>
             </a:r>
             <a:r>
-              <a:rPr lang="ru-RU" dirty="0" err="1" smtClean="0"/>
+              <a:rPr lang="ru-RU" dirty="0" err="1"/>
               <a:t>Java</a:t>
             </a:r>
             <a:r>
-              <a:rPr lang="ru-RU" dirty="0" smtClean="0"/>
+              <a:rPr lang="ru-RU" dirty="0"/>
               <a:t> 11 . Чтобы продолжать их использовать, вам нужно добавить JAR-файл </a:t>
             </a:r>
             <a:r>
-              <a:rPr lang="ru-RU" dirty="0" err="1" smtClean="0"/>
+              <a:rPr lang="ru-RU" dirty="0" err="1"/>
               <a:t>javax.annotation-api</a:t>
             </a:r>
             <a:r>
-              <a:rPr lang="ru-RU" dirty="0" smtClean="0"/>
+              <a:rPr lang="ru-RU" dirty="0"/>
               <a:t> в ваши зависимости.</a:t>
             </a:r>
             <a:endParaRPr lang="en-US" dirty="0"/>
@@ -3686,65 +3636,65 @@
           <a:lstStyle/>
           <a:p>
             <a:r>
-              <a:rPr lang="ru-RU" dirty="0" smtClean="0"/>
+              <a:rPr lang="ru-RU" dirty="0"/>
               <a:t>В примере наш бин </a:t>
             </a:r>
             <a:r>
-              <a:rPr lang="en-US" dirty="0" err="1" smtClean="0"/>
+              <a:rPr lang="en-US" dirty="0" err="1"/>
               <a:t>exampleBean</a:t>
             </a:r>
             <a:r>
-              <a:rPr lang="en-US" dirty="0" smtClean="0"/>
+              <a:rPr lang="en-US" dirty="0"/>
               <a:t> </a:t>
             </a:r>
             <a:r>
-              <a:rPr lang="ru-RU" dirty="0" smtClean="0"/>
+              <a:rPr lang="ru-RU" dirty="0"/>
               <a:t>реализует интерфейсы </a:t>
             </a:r>
             <a:r>
-              <a:rPr lang="en-US" dirty="0" err="1" smtClean="0"/>
+              <a:rPr lang="en-US" dirty="0" err="1"/>
               <a:t>InitializingBean</a:t>
             </a:r>
             <a:r>
-              <a:rPr lang="en-US" dirty="0" smtClean="0"/>
+              <a:rPr lang="en-US" dirty="0"/>
               <a:t> </a:t>
             </a:r>
             <a:r>
-              <a:rPr lang="ru-RU" dirty="0" smtClean="0"/>
+              <a:rPr lang="ru-RU" dirty="0"/>
               <a:t>и </a:t>
             </a:r>
             <a:r>
-              <a:rPr lang="en-US" dirty="0" err="1" smtClean="0"/>
+              <a:rPr lang="en-US" dirty="0" err="1"/>
               <a:t>DisposableBean</a:t>
             </a:r>
-            <a:endParaRPr lang="en-US" dirty="0" smtClean="0"/>
+            <a:endParaRPr lang="en-US" dirty="0"/>
           </a:p>
           <a:p>
             <a:pPr marL="0" indent="0">
               <a:buNone/>
             </a:pPr>
             <a:r>
-              <a:rPr lang="ru-RU" dirty="0" smtClean="0"/>
+              <a:rPr lang="ru-RU" dirty="0"/>
               <a:t>При запуске </a:t>
             </a:r>
             <a:r>
-              <a:rPr lang="en-US" dirty="0" smtClean="0"/>
+              <a:rPr lang="en-US" dirty="0"/>
               <a:t>main </a:t>
             </a:r>
             <a:r>
-              <a:rPr lang="ru-RU" dirty="0" smtClean="0"/>
+              <a:rPr lang="ru-RU" dirty="0"/>
               <a:t>видим, что</a:t>
             </a:r>
           </a:p>
           <a:p>
             <a:r>
-              <a:rPr lang="ru-RU" dirty="0" smtClean="0"/>
+              <a:rPr lang="ru-RU" dirty="0"/>
               <a:t>сеттеры установили свойства, </a:t>
             </a:r>
           </a:p>
           <a:p>
             <a:r>
-              <a:rPr lang="ru-RU" dirty="0" smtClean="0"/>
+              <a:rPr lang="ru-RU" dirty="0"/>
               <a:t>затем отработал метод  </a:t>
             </a:r>
             <a:r>
@@ -3752,18 +3702,14 @@
               <a:t>afterPropertiesSet</a:t>
             </a:r>
             <a:r>
-              <a:rPr lang="ru-RU" dirty="0" smtClean="0"/>
+              <a:rPr lang="ru-RU" dirty="0"/>
               <a:t>(),</a:t>
             </a:r>
           </a:p>
           <a:p>
             <a:r>
-              <a:rPr lang="ru-RU" dirty="0" smtClean="0"/>
-              <a:t> </a:t>
-            </a:r>
-            <a:r>
-              <a:rPr lang="ru-RU" dirty="0"/>
-              <a:t>код из </a:t>
+              <a:rPr lang="ru-RU" dirty="0"/>
+              <a:t> код из </a:t>
             </a:r>
             <a:r>
               <a:rPr lang="ru-RU" dirty="0" err="1"/>
@@ -3776,12 +3722,8 @@
           </a:p>
           <a:p>
             <a:r>
-              <a:rPr lang="ru-RU" dirty="0" smtClean="0"/>
-              <a:t>в </a:t>
-            </a:r>
-            <a:r>
-              <a:rPr lang="ru-RU" dirty="0"/>
-              <a:t>последнюю очередь метод </a:t>
+              <a:rPr lang="ru-RU" dirty="0"/>
+              <a:t>в последнюю очередь метод </a:t>
             </a:r>
             <a:r>
               <a:rPr lang="ru-RU" dirty="0" err="1"/>
@@ -3791,7 +3733,6 @@
               <a:rPr lang="ru-RU" dirty="0"/>
               <a:t>().</a:t>
             </a:r>
-            <a:endParaRPr lang="ru-RU" dirty="0" smtClean="0"/>
           </a:p>
           <a:p>
             <a:endParaRPr lang="en-US" dirty="0"/>
@@ -3849,52 +3790,48 @@
           <a:lstStyle/>
           <a:p>
             <a:r>
-              <a:rPr lang="ru-RU" dirty="0" smtClean="0"/>
+              <a:rPr lang="ru-RU" dirty="0"/>
               <a:t>Если изменить </a:t>
             </a:r>
             <a:r>
-              <a:rPr lang="ru-RU" dirty="0" err="1" smtClean="0"/>
+              <a:rPr lang="ru-RU" dirty="0" err="1"/>
               <a:t>скоуп</a:t>
             </a:r>
             <a:r>
-              <a:rPr lang="ru-RU" dirty="0" smtClean="0"/>
+              <a:rPr lang="ru-RU" dirty="0"/>
               <a:t> </a:t>
             </a:r>
             <a:r>
-              <a:rPr lang="ru-RU" dirty="0" err="1" smtClean="0"/>
+              <a:rPr lang="ru-RU" dirty="0" err="1"/>
               <a:t>бина</a:t>
             </a:r>
             <a:r>
-              <a:rPr lang="ru-RU" dirty="0" smtClean="0"/>
+              <a:rPr lang="ru-RU" dirty="0"/>
               <a:t> на прототип, то вывод изменится: метод </a:t>
             </a:r>
             <a:r>
-              <a:rPr lang="en-US" dirty="0" smtClean="0"/>
+              <a:rPr lang="en-US" dirty="0"/>
               <a:t>destroy() </a:t>
             </a:r>
             <a:r>
-              <a:rPr lang="ru-RU" dirty="0" smtClean="0"/>
+              <a:rPr lang="ru-RU" dirty="0"/>
               <a:t>не отработает. Он не вызывается для </a:t>
             </a:r>
             <a:r>
-              <a:rPr lang="ru-RU" dirty="0" err="1" smtClean="0"/>
+              <a:rPr lang="ru-RU" dirty="0" err="1"/>
               <a:t>бинов</a:t>
             </a:r>
             <a:r>
-              <a:rPr lang="ru-RU" dirty="0" smtClean="0"/>
+              <a:rPr lang="ru-RU" dirty="0"/>
               <a:t> со </a:t>
             </a:r>
             <a:r>
-              <a:rPr lang="ru-RU" dirty="0" err="1" smtClean="0"/>
+              <a:rPr lang="ru-RU" dirty="0" err="1"/>
               <a:t>скоупом</a:t>
             </a:r>
             <a:r>
               <a:rPr lang="ru-RU" dirty="0"/>
-              <a:t> </a:t>
-            </a:r>
-            <a:r>
-              <a:rPr lang="ru-RU" dirty="0" smtClean="0"/>
-              <a:t>прототип.</a:t>
+              <a:t> прототип.</a:t>
             </a:r>
           </a:p>
           <a:p>
@@ -3953,39 +3890,39 @@
           <a:lstStyle/>
           <a:p>
             <a:r>
-              <a:rPr lang="ru-RU" dirty="0" smtClean="0"/>
+              <a:rPr lang="ru-RU" dirty="0"/>
               <a:t>В следующем примере (27) показан второй способ установки метода инициализации и </a:t>
             </a:r>
             <a:r>
-              <a:rPr lang="en-US" dirty="0" smtClean="0"/>
+              <a:rPr lang="en-US" dirty="0"/>
               <a:t>destroy-</a:t>
             </a:r>
             <a:r>
-              <a:rPr lang="ru-RU" dirty="0" smtClean="0"/>
+              <a:rPr lang="ru-RU" dirty="0"/>
               <a:t>метода. Через указание этих методов в декларации </a:t>
             </a:r>
             <a:r>
-              <a:rPr lang="ru-RU" dirty="0" err="1" smtClean="0"/>
+              <a:rPr lang="ru-RU" dirty="0" err="1"/>
               <a:t>бина</a:t>
             </a:r>
             <a:r>
-              <a:rPr lang="ru-RU" dirty="0" smtClean="0"/>
+              <a:rPr lang="ru-RU" dirty="0"/>
               <a:t> в </a:t>
             </a:r>
             <a:r>
-              <a:rPr lang="en-US" dirty="0" smtClean="0"/>
+              <a:rPr lang="en-US" dirty="0"/>
               <a:t>XML</a:t>
             </a:r>
             <a:r>
-              <a:rPr lang="ru-RU" smtClean="0"/>
+              <a:rPr lang="ru-RU"/>
               <a:t>.</a:t>
             </a:r>
             <a:r>
-              <a:rPr lang="en-US" smtClean="0"/>
+              <a:rPr lang="en-US"/>
               <a:t> </a:t>
             </a:r>
             <a:r>
-              <a:rPr lang="ru-RU" dirty="0" smtClean="0"/>
+              <a:rPr lang="ru-RU" dirty="0"/>
               <a:t> </a:t>
             </a:r>
             <a:endParaRPr lang="en-US" dirty="0"/>
